--- a/submission/results/cs572 results_hjhan.pptx
+++ b/submission/results/cs572 results_hjhan.pptx
@@ -5820,7 +5820,7 @@
           <p:nvPr>
             <p:extLst>
               <p:ext uri="{D42A27DB-BD31-4B8C-83A1-F6EECF244321}">
-                <p14:modId xmlns:p14="http://schemas.microsoft.com/office/powerpoint/2010/main" val="4238671046"/>
+                <p14:modId xmlns:p14="http://schemas.microsoft.com/office/powerpoint/2010/main" val="1286085625"/>
               </p:ext>
             </p:extLst>
           </p:nvPr>
@@ -6809,7 +6809,7 @@
                           <a:ea typeface="+mn-ea"/>
                           <a:cs typeface="+mn-cs"/>
                         </a:rPr>
-                        <a:t>84.44</a:t>
+                        <a:t>87.78</a:t>
                       </a:r>
                       <a:endParaRPr lang="ko-KR" altLang="en-US" sz="1800" kern="1200" dirty="0">
                         <a:solidFill>

--- a/submission/results/cs572 results_hjhan.pptx
+++ b/submission/results/cs572 results_hjhan.pptx
@@ -251,7 +251,7 @@
           <a:p>
             <a:fld id="{428E6C78-B126-4EAE-834B-2BDF330B7877}" type="datetimeFigureOut">
               <a:rPr lang="ko-KR" altLang="en-US" smtClean="0"/>
-              <a:t>2016-12-19</a:t>
+              <a:t>2016-12-21</a:t>
             </a:fld>
             <a:endParaRPr lang="ko-KR" altLang="en-US"/>
           </a:p>
@@ -421,7 +421,7 @@
           <a:p>
             <a:fld id="{428E6C78-B126-4EAE-834B-2BDF330B7877}" type="datetimeFigureOut">
               <a:rPr lang="ko-KR" altLang="en-US" smtClean="0"/>
-              <a:t>2016-12-19</a:t>
+              <a:t>2016-12-21</a:t>
             </a:fld>
             <a:endParaRPr lang="ko-KR" altLang="en-US"/>
           </a:p>
@@ -601,7 +601,7 @@
           <a:p>
             <a:fld id="{428E6C78-B126-4EAE-834B-2BDF330B7877}" type="datetimeFigureOut">
               <a:rPr lang="ko-KR" altLang="en-US" smtClean="0"/>
-              <a:t>2016-12-19</a:t>
+              <a:t>2016-12-21</a:t>
             </a:fld>
             <a:endParaRPr lang="ko-KR" altLang="en-US"/>
           </a:p>
@@ -771,7 +771,7 @@
           <a:p>
             <a:fld id="{428E6C78-B126-4EAE-834B-2BDF330B7877}" type="datetimeFigureOut">
               <a:rPr lang="ko-KR" altLang="en-US" smtClean="0"/>
-              <a:t>2016-12-19</a:t>
+              <a:t>2016-12-21</a:t>
             </a:fld>
             <a:endParaRPr lang="ko-KR" altLang="en-US"/>
           </a:p>
@@ -1017,7 +1017,7 @@
           <a:p>
             <a:fld id="{428E6C78-B126-4EAE-834B-2BDF330B7877}" type="datetimeFigureOut">
               <a:rPr lang="ko-KR" altLang="en-US" smtClean="0"/>
-              <a:t>2016-12-19</a:t>
+              <a:t>2016-12-21</a:t>
             </a:fld>
             <a:endParaRPr lang="ko-KR" altLang="en-US"/>
           </a:p>
@@ -1249,7 +1249,7 @@
           <a:p>
             <a:fld id="{428E6C78-B126-4EAE-834B-2BDF330B7877}" type="datetimeFigureOut">
               <a:rPr lang="ko-KR" altLang="en-US" smtClean="0"/>
-              <a:t>2016-12-19</a:t>
+              <a:t>2016-12-21</a:t>
             </a:fld>
             <a:endParaRPr lang="ko-KR" altLang="en-US"/>
           </a:p>
@@ -1616,7 +1616,7 @@
           <a:p>
             <a:fld id="{428E6C78-B126-4EAE-834B-2BDF330B7877}" type="datetimeFigureOut">
               <a:rPr lang="ko-KR" altLang="en-US" smtClean="0"/>
-              <a:t>2016-12-19</a:t>
+              <a:t>2016-12-21</a:t>
             </a:fld>
             <a:endParaRPr lang="ko-KR" altLang="en-US"/>
           </a:p>
@@ -1734,7 +1734,7 @@
           <a:p>
             <a:fld id="{428E6C78-B126-4EAE-834B-2BDF330B7877}" type="datetimeFigureOut">
               <a:rPr lang="ko-KR" altLang="en-US" smtClean="0"/>
-              <a:t>2016-12-19</a:t>
+              <a:t>2016-12-21</a:t>
             </a:fld>
             <a:endParaRPr lang="ko-KR" altLang="en-US"/>
           </a:p>
@@ -1829,7 +1829,7 @@
           <a:p>
             <a:fld id="{428E6C78-B126-4EAE-834B-2BDF330B7877}" type="datetimeFigureOut">
               <a:rPr lang="ko-KR" altLang="en-US" smtClean="0"/>
-              <a:t>2016-12-19</a:t>
+              <a:t>2016-12-21</a:t>
             </a:fld>
             <a:endParaRPr lang="ko-KR" altLang="en-US"/>
           </a:p>
@@ -2106,7 +2106,7 @@
           <a:p>
             <a:fld id="{428E6C78-B126-4EAE-834B-2BDF330B7877}" type="datetimeFigureOut">
               <a:rPr lang="ko-KR" altLang="en-US" smtClean="0"/>
-              <a:t>2016-12-19</a:t>
+              <a:t>2016-12-21</a:t>
             </a:fld>
             <a:endParaRPr lang="ko-KR" altLang="en-US"/>
           </a:p>
@@ -2359,7 +2359,7 @@
           <a:p>
             <a:fld id="{428E6C78-B126-4EAE-834B-2BDF330B7877}" type="datetimeFigureOut">
               <a:rPr lang="ko-KR" altLang="en-US" smtClean="0"/>
-              <a:t>2016-12-19</a:t>
+              <a:t>2016-12-21</a:t>
             </a:fld>
             <a:endParaRPr lang="ko-KR" altLang="en-US"/>
           </a:p>
@@ -2572,7 +2572,7 @@
           <a:p>
             <a:fld id="{428E6C78-B126-4EAE-834B-2BDF330B7877}" type="datetimeFigureOut">
               <a:rPr lang="ko-KR" altLang="en-US" smtClean="0"/>
-              <a:t>2016-12-19</a:t>
+              <a:t>2016-12-21</a:t>
             </a:fld>
             <a:endParaRPr lang="ko-KR" altLang="en-US"/>
           </a:p>
@@ -5069,7 +5069,7 @@
           <p:nvPr>
             <p:extLst>
               <p:ext uri="{D42A27DB-BD31-4B8C-83A1-F6EECF244321}">
-                <p14:modId xmlns:p14="http://schemas.microsoft.com/office/powerpoint/2010/main" val="2653443724"/>
+                <p14:modId xmlns:p14="http://schemas.microsoft.com/office/powerpoint/2010/main" val="3947354516"/>
               </p:ext>
             </p:extLst>
           </p:nvPr>
@@ -5510,7 +5510,7 @@
                       <a:pPr algn="ctr" latinLnBrk="1"/>
                       <a:r>
                         <a:rPr lang="en-US" altLang="ko-KR" dirty="0" smtClean="0"/>
-                        <a:t>Bi-LSTM</a:t>
+                        <a:t>Bi-LSTM  </a:t>
                       </a:r>
                       <a:endParaRPr lang="ko-KR" altLang="en-US" dirty="0"/>
                     </a:p>
@@ -5820,14 +5820,14 @@
           <p:nvPr>
             <p:extLst>
               <p:ext uri="{D42A27DB-BD31-4B8C-83A1-F6EECF244321}">
-                <p14:modId xmlns:p14="http://schemas.microsoft.com/office/powerpoint/2010/main" val="1286085625"/>
+                <p14:modId xmlns:p14="http://schemas.microsoft.com/office/powerpoint/2010/main" val="3646397266"/>
               </p:ext>
             </p:extLst>
           </p:nvPr>
         </p:nvGraphicFramePr>
         <p:xfrm>
           <a:off x="241066" y="2004162"/>
-          <a:ext cx="10297680" cy="4665401"/>
+          <a:ext cx="10297680" cy="4822166"/>
         </p:xfrm>
         <a:graphic>
           <a:graphicData uri="http://schemas.openxmlformats.org/drawingml/2006/table">
@@ -6032,7 +6032,7 @@
                   </a:ext>
                 </a:extLst>
               </a:tr>
-              <a:tr h="188755">
+              <a:tr h="522525">
                 <a:tc>
                   <a:txBody>
                     <a:bodyPr/>
@@ -6221,7 +6221,7 @@
                       <a:pPr algn="ctr" latinLnBrk="1"/>
                       <a:r>
                         <a:rPr lang="en-US" altLang="ko-KR" dirty="0" smtClean="0"/>
-                        <a:t>Bi-LSTM</a:t>
+                        <a:t>  Bi-LSTM</a:t>
                       </a:r>
                       <a:endParaRPr lang="ko-KR" altLang="en-US" dirty="0"/>
                     </a:p>
@@ -6280,7 +6280,7 @@
                       <a:pPr algn="ctr" latinLnBrk="1"/>
                       <a:r>
                         <a:rPr lang="en-US" altLang="ko-KR" dirty="0" smtClean="0"/>
-                        <a:t>-</a:t>
+                        <a:t>80.0%</a:t>
                       </a:r>
                       <a:endParaRPr lang="ko-KR" altLang="en-US" dirty="0"/>
                     </a:p>
@@ -6662,26 +6662,12 @@
                     <a:bodyPr/>
                     <a:lstStyle/>
                     <a:p>
-                      <a:pPr marL="0" algn="ctr" defTabSz="914400" rtl="0" eaLnBrk="1" latinLnBrk="1" hangingPunct="1"/>
-                      <a:r>
-                        <a:rPr lang="en-US" altLang="ko-KR" sz="1800" kern="1200" dirty="0" smtClean="0">
-                          <a:solidFill>
-                            <a:schemeClr val="dk1"/>
-                          </a:solidFill>
-                          <a:latin typeface="+mn-lt"/>
-                          <a:ea typeface="+mn-ea"/>
-                          <a:cs typeface="+mn-cs"/>
-                        </a:rPr>
-                        <a:t>-</a:t>
-                      </a:r>
-                      <a:endParaRPr lang="ko-KR" altLang="en-US" sz="1800" kern="1200" dirty="0">
-                        <a:solidFill>
-                          <a:schemeClr val="dk1"/>
-                        </a:solidFill>
-                        <a:latin typeface="+mn-lt"/>
-                        <a:ea typeface="+mn-ea"/>
-                        <a:cs typeface="+mn-cs"/>
-                      </a:endParaRPr>
+                      <a:pPr algn="ctr" latinLnBrk="1"/>
+                      <a:r>
+                        <a:rPr lang="en-US" altLang="ko-KR" dirty="0" smtClean="0"/>
+                        <a:t>79.17%</a:t>
+                      </a:r>
+                      <a:endParaRPr lang="ko-KR" altLang="en-US" dirty="0"/>
                     </a:p>
                   </a:txBody>
                   <a:tcPr anchor="ctr">
@@ -6698,26 +6684,12 @@
                     <a:bodyPr/>
                     <a:lstStyle/>
                     <a:p>
-                      <a:pPr marL="0" algn="ctr" defTabSz="914400" rtl="0" eaLnBrk="1" latinLnBrk="1" hangingPunct="1"/>
-                      <a:r>
-                        <a:rPr lang="en-US" altLang="ko-KR" sz="1800" kern="1200" dirty="0" smtClean="0">
-                          <a:solidFill>
-                            <a:schemeClr val="dk1"/>
-                          </a:solidFill>
-                          <a:latin typeface="+mn-lt"/>
-                          <a:ea typeface="+mn-ea"/>
-                          <a:cs typeface="+mn-cs"/>
-                        </a:rPr>
-                        <a:t>-</a:t>
-                      </a:r>
-                      <a:endParaRPr lang="ko-KR" altLang="en-US" sz="1800" kern="1200" dirty="0">
-                        <a:solidFill>
-                          <a:schemeClr val="dk1"/>
-                        </a:solidFill>
-                        <a:latin typeface="+mn-lt"/>
-                        <a:ea typeface="+mn-ea"/>
-                        <a:cs typeface="+mn-cs"/>
-                      </a:endParaRPr>
+                      <a:pPr algn="ctr" latinLnBrk="1"/>
+                      <a:r>
+                        <a:rPr lang="en-US" altLang="ko-KR" dirty="0" smtClean="0"/>
+                        <a:t>80.0%</a:t>
+                      </a:r>
+                      <a:endParaRPr lang="ko-KR" altLang="en-US" dirty="0"/>
                     </a:p>
                   </a:txBody>
                   <a:tcPr anchor="ctr">
@@ -7005,8 +6977,8 @@
         </p:blipFill>
         <p:spPr>
           <a:xfrm>
-            <a:off x="390698" y="116379"/>
-            <a:ext cx="8748518" cy="2511770"/>
+            <a:off x="1650124" y="3185399"/>
+            <a:ext cx="8897479" cy="2511770"/>
           </a:xfrm>
           <a:prstGeom prst="rect">
             <a:avLst/>
